--- a/lighteningtalk.pptx
+++ b/lighteningtalk.pptx
@@ -111,6 +111,11 @@
       </a:defRPr>
     </a:lvl9pPr>
   </p:defaultTextStyle>
+  <p:extLst>
+    <p:ext uri="{EFAFB233-063F-42B5-8137-9DF3F51BA10A}">
+      <p15:sldGuideLst xmlns:p15="http://schemas.microsoft.com/office/powerpoint/2012/main"/>
+    </p:ext>
+  </p:extLst>
 </p:presentation>
 </file>
 
@@ -3958,7 +3963,7 @@
       </p:pic>
       <p:pic>
         <p:nvPicPr>
-          <p:cNvPr id="4" name="Content Placeholder 3"/>
+          <p:cNvPr id="5" name="Content Placeholder 4"/>
           <p:cNvPicPr>
             <a:picLocks noGrp="1" noChangeAspect="1"/>
           </p:cNvPicPr>
@@ -3980,8 +3985,8 @@
         </p:blipFill>
         <p:spPr>
           <a:xfrm>
-            <a:off x="5998214" y="1948718"/>
-            <a:ext cx="3145786" cy="4105654"/>
+            <a:off x="5924010" y="1948718"/>
+            <a:ext cx="3219990" cy="4351338"/>
           </a:xfrm>
         </p:spPr>
       </p:pic>

--- a/lighteningtalk.pptx
+++ b/lighteningtalk.pptx
@@ -250,7 +250,7 @@
           <a:p>
             <a:fld id="{026CDFD8-6966-8F49-8738-FA933982C5E4}" type="datetimeFigureOut">
               <a:rPr lang="en-US" smtClean="0"/>
-              <a:t>10/24/16</a:t>
+              <a:t>10/25/16</a:t>
             </a:fld>
             <a:endParaRPr lang="en-US"/>
           </a:p>
@@ -420,7 +420,7 @@
           <a:p>
             <a:fld id="{026CDFD8-6966-8F49-8738-FA933982C5E4}" type="datetimeFigureOut">
               <a:rPr lang="en-US" smtClean="0"/>
-              <a:t>10/24/16</a:t>
+              <a:t>10/25/16</a:t>
             </a:fld>
             <a:endParaRPr lang="en-US"/>
           </a:p>
@@ -600,7 +600,7 @@
           <a:p>
             <a:fld id="{026CDFD8-6966-8F49-8738-FA933982C5E4}" type="datetimeFigureOut">
               <a:rPr lang="en-US" smtClean="0"/>
-              <a:t>10/24/16</a:t>
+              <a:t>10/25/16</a:t>
             </a:fld>
             <a:endParaRPr lang="en-US"/>
           </a:p>
@@ -770,7 +770,7 @@
           <a:p>
             <a:fld id="{026CDFD8-6966-8F49-8738-FA933982C5E4}" type="datetimeFigureOut">
               <a:rPr lang="en-US" smtClean="0"/>
-              <a:t>10/24/16</a:t>
+              <a:t>10/25/16</a:t>
             </a:fld>
             <a:endParaRPr lang="en-US"/>
           </a:p>
@@ -1014,7 +1014,7 @@
           <a:p>
             <a:fld id="{026CDFD8-6966-8F49-8738-FA933982C5E4}" type="datetimeFigureOut">
               <a:rPr lang="en-US" smtClean="0"/>
-              <a:t>10/24/16</a:t>
+              <a:t>10/25/16</a:t>
             </a:fld>
             <a:endParaRPr lang="en-US"/>
           </a:p>
@@ -1246,7 +1246,7 @@
           <a:p>
             <a:fld id="{026CDFD8-6966-8F49-8738-FA933982C5E4}" type="datetimeFigureOut">
               <a:rPr lang="en-US" smtClean="0"/>
-              <a:t>10/24/16</a:t>
+              <a:t>10/25/16</a:t>
             </a:fld>
             <a:endParaRPr lang="en-US"/>
           </a:p>
@@ -1613,7 +1613,7 @@
           <a:p>
             <a:fld id="{026CDFD8-6966-8F49-8738-FA933982C5E4}" type="datetimeFigureOut">
               <a:rPr lang="en-US" smtClean="0"/>
-              <a:t>10/24/16</a:t>
+              <a:t>10/25/16</a:t>
             </a:fld>
             <a:endParaRPr lang="en-US"/>
           </a:p>
@@ -1731,7 +1731,7 @@
           <a:p>
             <a:fld id="{026CDFD8-6966-8F49-8738-FA933982C5E4}" type="datetimeFigureOut">
               <a:rPr lang="en-US" smtClean="0"/>
-              <a:t>10/24/16</a:t>
+              <a:t>10/25/16</a:t>
             </a:fld>
             <a:endParaRPr lang="en-US"/>
           </a:p>
@@ -1826,7 +1826,7 @@
           <a:p>
             <a:fld id="{026CDFD8-6966-8F49-8738-FA933982C5E4}" type="datetimeFigureOut">
               <a:rPr lang="en-US" smtClean="0"/>
-              <a:t>10/24/16</a:t>
+              <a:t>10/25/16</a:t>
             </a:fld>
             <a:endParaRPr lang="en-US"/>
           </a:p>
@@ -2103,7 +2103,7 @@
           <a:p>
             <a:fld id="{026CDFD8-6966-8F49-8738-FA933982C5E4}" type="datetimeFigureOut">
               <a:rPr lang="en-US" smtClean="0"/>
-              <a:t>10/24/16</a:t>
+              <a:t>10/25/16</a:t>
             </a:fld>
             <a:endParaRPr lang="en-US"/>
           </a:p>
@@ -2360,7 +2360,7 @@
           <a:p>
             <a:fld id="{026CDFD8-6966-8F49-8738-FA933982C5E4}" type="datetimeFigureOut">
               <a:rPr lang="en-US" smtClean="0"/>
-              <a:t>10/24/16</a:t>
+              <a:t>10/25/16</a:t>
             </a:fld>
             <a:endParaRPr lang="en-US"/>
           </a:p>
@@ -2573,7 +2573,7 @@
           <a:p>
             <a:fld id="{026CDFD8-6966-8F49-8738-FA933982C5E4}" type="datetimeFigureOut">
               <a:rPr lang="en-US" smtClean="0"/>
-              <a:t>10/24/16</a:t>
+              <a:t>10/25/16</a:t>
             </a:fld>
             <a:endParaRPr lang="en-US"/>
           </a:p>
@@ -3059,25 +3059,6 @@
           </a:p>
         </p:txBody>
       </p:sp>
-      <p:sp>
-        <p:nvSpPr>
-          <p:cNvPr id="3" name="Subtitle 2"/>
-          <p:cNvSpPr>
-            <a:spLocks noGrp="1"/>
-          </p:cNvSpPr>
-          <p:nvPr>
-            <p:ph type="subTitle" idx="1"/>
-          </p:nvPr>
-        </p:nvSpPr>
-        <p:spPr/>
-        <p:txBody>
-          <a:bodyPr/>
-          <a:lstStyle/>
-          <a:p>
-            <a:endParaRPr lang="en-US" dirty="0"/>
-          </a:p>
-        </p:txBody>
-      </p:sp>
     </p:spTree>
     <p:extLst>
       <p:ext uri="{BB962C8B-B14F-4D97-AF65-F5344CB8AC3E}">
@@ -3255,7 +3236,7 @@
             </a:r>
             <a:r>
               <a:rPr lang="en-US" altLang="zh-CN" dirty="0" smtClean="0"/>
-              <a:t>database</a:t>
+              <a:t>data</a:t>
             </a:r>
             <a:r>
               <a:rPr lang="zh-CN" altLang="en-US" dirty="0" smtClean="0"/>
@@ -3329,8 +3310,20 @@
           <a:lstStyle/>
           <a:p>
             <a:r>
+              <a:rPr lang="en-US" dirty="0" smtClean="0"/>
+              <a:t>Extrac</a:t>
+            </a:r>
+            <a:r>
+              <a:rPr lang="en-US" altLang="zh-CN" dirty="0" smtClean="0"/>
+              <a:t>t</a:t>
+            </a:r>
+            <a:r>
+              <a:rPr lang="en-US" dirty="0" smtClean="0"/>
+              <a:t> </a:t>
+            </a:r>
+            <a:r>
               <a:rPr lang="en-US" dirty="0"/>
-              <a:t>Extracting information from a website by crawler</a:t>
+              <a:t>information from a website by crawler</a:t>
             </a:r>
           </a:p>
         </p:txBody>
@@ -3490,8 +3483,12 @@
           <a:lstStyle/>
           <a:p>
             <a:r>
+              <a:rPr lang="en-US" dirty="0" smtClean="0"/>
+              <a:t>Extract </a:t>
+            </a:r>
+            <a:r>
               <a:rPr lang="en-US" dirty="0"/>
-              <a:t>Extracting information from a website by crawler</a:t>
+              <a:t>information from a website by crawler</a:t>
             </a:r>
           </a:p>
         </p:txBody>
@@ -3610,8 +3607,12 @@
           <a:lstStyle/>
           <a:p>
             <a:r>
+              <a:rPr lang="en-US" dirty="0" smtClean="0"/>
+              <a:t>Extract </a:t>
+            </a:r>
+            <a:r>
               <a:rPr lang="en-US" dirty="0"/>
-              <a:t>Extracting information from a website by crawler</a:t>
+              <a:t>information from a website by crawler</a:t>
             </a:r>
           </a:p>
         </p:txBody>
@@ -3810,7 +3811,15 @@
           <a:p>
             <a:r>
               <a:rPr lang="en-US" dirty="0"/>
-              <a:t>Retrieve database from </a:t>
+              <a:t>Retrieve </a:t>
+            </a:r>
+            <a:r>
+              <a:rPr lang="en-US" dirty="0" smtClean="0"/>
+              <a:t>data </a:t>
+            </a:r>
+            <a:r>
+              <a:rPr lang="en-US" dirty="0"/>
+              <a:t>from </a:t>
             </a:r>
             <a:r>
               <a:rPr lang="en-US" dirty="0" smtClean="0"/>
@@ -3926,7 +3935,15 @@
           <a:p>
             <a:r>
               <a:rPr lang="en-US" dirty="0"/>
-              <a:t>Retrieve database from firebase</a:t>
+              <a:t>Retrieve </a:t>
+            </a:r>
+            <a:r>
+              <a:rPr lang="en-US" dirty="0" smtClean="0"/>
+              <a:t>data </a:t>
+            </a:r>
+            <a:r>
+              <a:rPr lang="en-US" dirty="0"/>
+              <a:t>from firebase</a:t>
             </a:r>
           </a:p>
         </p:txBody>

--- a/lighteningtalk.pptx
+++ b/lighteningtalk.pptx
@@ -7,12 +7,13 @@
   <p:sldIdLst>
     <p:sldId id="256" r:id="rId2"/>
     <p:sldId id="257" r:id="rId3"/>
-    <p:sldId id="258" r:id="rId4"/>
-    <p:sldId id="260" r:id="rId5"/>
-    <p:sldId id="259" r:id="rId6"/>
-    <p:sldId id="261" r:id="rId7"/>
-    <p:sldId id="262" r:id="rId8"/>
-    <p:sldId id="263" r:id="rId9"/>
+    <p:sldId id="264" r:id="rId4"/>
+    <p:sldId id="258" r:id="rId5"/>
+    <p:sldId id="260" r:id="rId6"/>
+    <p:sldId id="259" r:id="rId7"/>
+    <p:sldId id="261" r:id="rId8"/>
+    <p:sldId id="262" r:id="rId9"/>
+    <p:sldId id="263" r:id="rId10"/>
   </p:sldIdLst>
   <p:sldSz cx="9144000" cy="6858000" type="screen4x3"/>
   <p:notesSz cx="6858000" cy="9144000"/>
@@ -250,7 +251,7 @@
           <a:p>
             <a:fld id="{026CDFD8-6966-8F49-8738-FA933982C5E4}" type="datetimeFigureOut">
               <a:rPr lang="en-US" smtClean="0"/>
-              <a:t>10/25/16</a:t>
+              <a:t>11/1/16</a:t>
             </a:fld>
             <a:endParaRPr lang="en-US"/>
           </a:p>
@@ -420,7 +421,7 @@
           <a:p>
             <a:fld id="{026CDFD8-6966-8F49-8738-FA933982C5E4}" type="datetimeFigureOut">
               <a:rPr lang="en-US" smtClean="0"/>
-              <a:t>10/25/16</a:t>
+              <a:t>11/1/16</a:t>
             </a:fld>
             <a:endParaRPr lang="en-US"/>
           </a:p>
@@ -600,7 +601,7 @@
           <a:p>
             <a:fld id="{026CDFD8-6966-8F49-8738-FA933982C5E4}" type="datetimeFigureOut">
               <a:rPr lang="en-US" smtClean="0"/>
-              <a:t>10/25/16</a:t>
+              <a:t>11/1/16</a:t>
             </a:fld>
             <a:endParaRPr lang="en-US"/>
           </a:p>
@@ -770,7 +771,7 @@
           <a:p>
             <a:fld id="{026CDFD8-6966-8F49-8738-FA933982C5E4}" type="datetimeFigureOut">
               <a:rPr lang="en-US" smtClean="0"/>
-              <a:t>10/25/16</a:t>
+              <a:t>11/1/16</a:t>
             </a:fld>
             <a:endParaRPr lang="en-US"/>
           </a:p>
@@ -1014,7 +1015,7 @@
           <a:p>
             <a:fld id="{026CDFD8-6966-8F49-8738-FA933982C5E4}" type="datetimeFigureOut">
               <a:rPr lang="en-US" smtClean="0"/>
-              <a:t>10/25/16</a:t>
+              <a:t>11/1/16</a:t>
             </a:fld>
             <a:endParaRPr lang="en-US"/>
           </a:p>
@@ -1246,7 +1247,7 @@
           <a:p>
             <a:fld id="{026CDFD8-6966-8F49-8738-FA933982C5E4}" type="datetimeFigureOut">
               <a:rPr lang="en-US" smtClean="0"/>
-              <a:t>10/25/16</a:t>
+              <a:t>11/1/16</a:t>
             </a:fld>
             <a:endParaRPr lang="en-US"/>
           </a:p>
@@ -1613,7 +1614,7 @@
           <a:p>
             <a:fld id="{026CDFD8-6966-8F49-8738-FA933982C5E4}" type="datetimeFigureOut">
               <a:rPr lang="en-US" smtClean="0"/>
-              <a:t>10/25/16</a:t>
+              <a:t>11/1/16</a:t>
             </a:fld>
             <a:endParaRPr lang="en-US"/>
           </a:p>
@@ -1731,7 +1732,7 @@
           <a:p>
             <a:fld id="{026CDFD8-6966-8F49-8738-FA933982C5E4}" type="datetimeFigureOut">
               <a:rPr lang="en-US" smtClean="0"/>
-              <a:t>10/25/16</a:t>
+              <a:t>11/1/16</a:t>
             </a:fld>
             <a:endParaRPr lang="en-US"/>
           </a:p>
@@ -1826,7 +1827,7 @@
           <a:p>
             <a:fld id="{026CDFD8-6966-8F49-8738-FA933982C5E4}" type="datetimeFigureOut">
               <a:rPr lang="en-US" smtClean="0"/>
-              <a:t>10/25/16</a:t>
+              <a:t>11/1/16</a:t>
             </a:fld>
             <a:endParaRPr lang="en-US"/>
           </a:p>
@@ -2103,7 +2104,7 @@
           <a:p>
             <a:fld id="{026CDFD8-6966-8F49-8738-FA933982C5E4}" type="datetimeFigureOut">
               <a:rPr lang="en-US" smtClean="0"/>
-              <a:t>10/25/16</a:t>
+              <a:t>11/1/16</a:t>
             </a:fld>
             <a:endParaRPr lang="en-US"/>
           </a:p>
@@ -2360,7 +2361,7 @@
           <a:p>
             <a:fld id="{026CDFD8-6966-8F49-8738-FA933982C5E4}" type="datetimeFigureOut">
               <a:rPr lang="en-US" smtClean="0"/>
-              <a:t>10/25/16</a:t>
+              <a:t>11/1/16</a:t>
             </a:fld>
             <a:endParaRPr lang="en-US"/>
           </a:p>
@@ -2573,7 +2574,7 @@
           <a:p>
             <a:fld id="{026CDFD8-6966-8F49-8738-FA933982C5E4}" type="datetimeFigureOut">
               <a:rPr lang="en-US" smtClean="0"/>
-              <a:t>10/25/16</a:t>
+              <a:t>11/1/16</a:t>
             </a:fld>
             <a:endParaRPr lang="en-US"/>
           </a:p>
@@ -3310,6 +3311,485 @@
           <a:lstStyle/>
           <a:p>
             <a:r>
+              <a:rPr lang="en-US" dirty="0"/>
+              <a:t>Extrac</a:t>
+            </a:r>
+            <a:r>
+              <a:rPr lang="en-US" altLang="zh-CN" dirty="0"/>
+              <a:t>t</a:t>
+            </a:r>
+            <a:r>
+              <a:rPr lang="en-US" dirty="0"/>
+              <a:t> information from a website by crawler</a:t>
+            </a:r>
+          </a:p>
+        </p:txBody>
+      </p:sp>
+      <p:sp>
+        <p:nvSpPr>
+          <p:cNvPr id="3" name="Content Placeholder 2"/>
+          <p:cNvSpPr>
+            <a:spLocks noGrp="1"/>
+          </p:cNvSpPr>
+          <p:nvPr>
+            <p:ph idx="1"/>
+          </p:nvPr>
+        </p:nvSpPr>
+        <p:spPr/>
+        <p:txBody>
+          <a:bodyPr/>
+          <a:lstStyle/>
+          <a:p>
+            <a:r>
+              <a:rPr lang="en-US" altLang="zh-CN" dirty="0" smtClean="0"/>
+              <a:t>Tools:</a:t>
+            </a:r>
+          </a:p>
+          <a:p>
+            <a:pPr lvl="1"/>
+            <a:r>
+              <a:rPr lang="en-US" altLang="zh-CN" dirty="0" err="1" smtClean="0"/>
+              <a:t>BeautifulSoup</a:t>
+            </a:r>
+            <a:r>
+              <a:rPr lang="zh-CN" altLang="en-US" dirty="0" smtClean="0"/>
+              <a:t> </a:t>
+            </a:r>
+            <a:r>
+              <a:rPr lang="en-US" altLang="zh-CN" dirty="0" smtClean="0"/>
+              <a:t>package</a:t>
+            </a:r>
+            <a:endParaRPr lang="en-US" altLang="zh-CN" dirty="0"/>
+          </a:p>
+          <a:p>
+            <a:r>
+              <a:rPr lang="en-US" altLang="zh-CN" dirty="0" smtClean="0"/>
+              <a:t>Process:</a:t>
+            </a:r>
+          </a:p>
+          <a:p>
+            <a:pPr lvl="1"/>
+            <a:r>
+              <a:rPr lang="en-US" altLang="zh-CN" dirty="0" smtClean="0"/>
+              <a:t>Making</a:t>
+            </a:r>
+            <a:r>
+              <a:rPr lang="zh-CN" altLang="en-US" dirty="0" smtClean="0"/>
+              <a:t> </a:t>
+            </a:r>
+            <a:r>
+              <a:rPr lang="en-US" altLang="zh-CN" dirty="0" smtClean="0"/>
+              <a:t>the</a:t>
+            </a:r>
+            <a:r>
+              <a:rPr lang="zh-CN" altLang="en-US" dirty="0" smtClean="0"/>
+              <a:t> </a:t>
+            </a:r>
+            <a:r>
+              <a:rPr lang="en-US" altLang="zh-CN" dirty="0" smtClean="0"/>
+              <a:t>soup!</a:t>
+            </a:r>
+          </a:p>
+          <a:p>
+            <a:pPr lvl="2"/>
+            <a:r>
+              <a:rPr lang="en-US" altLang="zh-CN" dirty="0" smtClean="0"/>
+              <a:t>Read</a:t>
+            </a:r>
+            <a:r>
+              <a:rPr lang="zh-CN" altLang="en-US" dirty="0" smtClean="0"/>
+              <a:t> </a:t>
+            </a:r>
+            <a:r>
+              <a:rPr lang="en-US" altLang="zh-CN" dirty="0" smtClean="0"/>
+              <a:t>the</a:t>
+            </a:r>
+            <a:r>
+              <a:rPr lang="zh-CN" altLang="en-US" dirty="0" smtClean="0"/>
+              <a:t> </a:t>
+            </a:r>
+            <a:r>
+              <a:rPr lang="en-US" altLang="zh-CN" dirty="0" smtClean="0"/>
+              <a:t>html</a:t>
+            </a:r>
+            <a:r>
+              <a:rPr lang="zh-CN" altLang="en-US" dirty="0" smtClean="0"/>
+              <a:t> </a:t>
+            </a:r>
+            <a:r>
+              <a:rPr lang="en-US" altLang="zh-CN" dirty="0" smtClean="0"/>
+              <a:t>file</a:t>
+            </a:r>
+            <a:r>
+              <a:rPr lang="zh-CN" altLang="en-US" dirty="0" smtClean="0"/>
+              <a:t> </a:t>
+            </a:r>
+            <a:r>
+              <a:rPr lang="en-US" altLang="zh-CN" dirty="0" smtClean="0"/>
+              <a:t>and</a:t>
+            </a:r>
+            <a:r>
+              <a:rPr lang="zh-CN" altLang="en-US" dirty="0" smtClean="0"/>
+              <a:t> </a:t>
+            </a:r>
+            <a:r>
+              <a:rPr lang="en-US" altLang="zh-CN" dirty="0" smtClean="0"/>
+              <a:t>store</a:t>
+            </a:r>
+            <a:r>
+              <a:rPr lang="zh-CN" altLang="en-US" dirty="0" smtClean="0"/>
+              <a:t> </a:t>
+            </a:r>
+            <a:r>
+              <a:rPr lang="en-US" altLang="zh-CN" dirty="0" smtClean="0"/>
+              <a:t>them</a:t>
+            </a:r>
+            <a:r>
+              <a:rPr lang="zh-CN" altLang="en-US" dirty="0" smtClean="0"/>
+              <a:t> </a:t>
+            </a:r>
+            <a:r>
+              <a:rPr lang="en-US" altLang="zh-CN" dirty="0" smtClean="0"/>
+              <a:t>in</a:t>
+            </a:r>
+            <a:r>
+              <a:rPr lang="zh-CN" altLang="en-US" dirty="0" smtClean="0"/>
+              <a:t> </a:t>
+            </a:r>
+            <a:r>
+              <a:rPr lang="en-US" altLang="zh-CN" dirty="0" smtClean="0"/>
+              <a:t>the</a:t>
+            </a:r>
+            <a:r>
+              <a:rPr lang="zh-CN" altLang="en-US" dirty="0" smtClean="0"/>
+              <a:t> </a:t>
+            </a:r>
+            <a:r>
+              <a:rPr lang="en-US" altLang="zh-CN" dirty="0" smtClean="0"/>
+              <a:t>string</a:t>
+            </a:r>
+          </a:p>
+          <a:p>
+            <a:pPr lvl="2"/>
+            <a:r>
+              <a:rPr lang="en-US" altLang="zh-CN" dirty="0" smtClean="0"/>
+              <a:t>Load</a:t>
+            </a:r>
+            <a:r>
+              <a:rPr lang="zh-CN" altLang="en-US" dirty="0" smtClean="0"/>
+              <a:t> </a:t>
+            </a:r>
+            <a:r>
+              <a:rPr lang="en-US" altLang="zh-CN" dirty="0" smtClean="0"/>
+              <a:t>the</a:t>
+            </a:r>
+            <a:r>
+              <a:rPr lang="zh-CN" altLang="en-US" dirty="0" smtClean="0"/>
+              <a:t> </a:t>
+            </a:r>
+            <a:r>
+              <a:rPr lang="en-US" altLang="zh-CN" dirty="0" smtClean="0"/>
+              <a:t>string</a:t>
+            </a:r>
+            <a:r>
+              <a:rPr lang="zh-CN" altLang="en-US" dirty="0" smtClean="0"/>
+              <a:t> </a:t>
+            </a:r>
+            <a:r>
+              <a:rPr lang="en-US" altLang="zh-CN" dirty="0" smtClean="0"/>
+              <a:t>into</a:t>
+            </a:r>
+            <a:r>
+              <a:rPr lang="zh-CN" altLang="en-US" dirty="0" smtClean="0"/>
+              <a:t> </a:t>
+            </a:r>
+            <a:r>
+              <a:rPr lang="en-US" altLang="zh-CN" dirty="0" smtClean="0"/>
+              <a:t>beautiful</a:t>
+            </a:r>
+            <a:r>
+              <a:rPr lang="zh-CN" altLang="en-US" dirty="0" smtClean="0"/>
+              <a:t> </a:t>
+            </a:r>
+            <a:r>
+              <a:rPr lang="en-US" altLang="zh-CN" dirty="0" smtClean="0"/>
+              <a:t>soup</a:t>
+            </a:r>
+            <a:r>
+              <a:rPr lang="zh-CN" altLang="en-US" dirty="0" smtClean="0"/>
+              <a:t> </a:t>
+            </a:r>
+            <a:r>
+              <a:rPr lang="en-US" altLang="zh-CN" dirty="0" smtClean="0"/>
+              <a:t>class</a:t>
+            </a:r>
+          </a:p>
+          <a:p>
+            <a:pPr lvl="2"/>
+            <a:r>
+              <a:rPr lang="en-US" altLang="zh-CN" dirty="0" smtClean="0"/>
+              <a:t>Content</a:t>
+            </a:r>
+            <a:r>
+              <a:rPr lang="zh-CN" altLang="en-US" dirty="0" smtClean="0"/>
+              <a:t> </a:t>
+            </a:r>
+            <a:r>
+              <a:rPr lang="en-US" altLang="zh-CN" dirty="0" smtClean="0"/>
+              <a:t>of</a:t>
+            </a:r>
+            <a:r>
+              <a:rPr lang="zh-CN" altLang="en-US" dirty="0" smtClean="0"/>
+              <a:t> </a:t>
+            </a:r>
+            <a:r>
+              <a:rPr lang="en-US" altLang="zh-CN" dirty="0" smtClean="0"/>
+              <a:t>soup:</a:t>
+            </a:r>
+            <a:r>
+              <a:rPr lang="zh-CN" altLang="en-US" dirty="0" smtClean="0"/>
+              <a:t> </a:t>
+            </a:r>
+            <a:r>
+              <a:rPr lang="en-US" altLang="zh-CN" dirty="0" smtClean="0"/>
+              <a:t>Tag,</a:t>
+            </a:r>
+            <a:r>
+              <a:rPr lang="zh-CN" altLang="en-US" dirty="0" smtClean="0"/>
+              <a:t> </a:t>
+            </a:r>
+            <a:r>
+              <a:rPr lang="en-US" altLang="zh-CN" dirty="0" smtClean="0"/>
+              <a:t>Name,</a:t>
+            </a:r>
+            <a:r>
+              <a:rPr lang="zh-CN" altLang="en-US" dirty="0" smtClean="0"/>
+              <a:t> </a:t>
+            </a:r>
+            <a:r>
+              <a:rPr lang="en-US" altLang="zh-CN" dirty="0" smtClean="0"/>
+              <a:t>Attribute,</a:t>
+            </a:r>
+            <a:r>
+              <a:rPr lang="zh-CN" altLang="en-US" dirty="0" smtClean="0"/>
+              <a:t> </a:t>
+            </a:r>
+            <a:r>
+              <a:rPr lang="en-US" altLang="zh-CN" dirty="0" smtClean="0"/>
+              <a:t>Text</a:t>
+            </a:r>
+          </a:p>
+          <a:p>
+            <a:pPr lvl="1"/>
+            <a:r>
+              <a:rPr lang="en-US" altLang="zh-CN" dirty="0" smtClean="0"/>
+              <a:t>Find</a:t>
+            </a:r>
+            <a:r>
+              <a:rPr lang="zh-CN" altLang="en-US" dirty="0" smtClean="0"/>
+              <a:t> </a:t>
+            </a:r>
+            <a:r>
+              <a:rPr lang="en-US" altLang="zh-CN" dirty="0" smtClean="0"/>
+              <a:t>what</a:t>
+            </a:r>
+            <a:r>
+              <a:rPr lang="zh-CN" altLang="en-US" dirty="0" smtClean="0"/>
+              <a:t> </a:t>
+            </a:r>
+            <a:r>
+              <a:rPr lang="en-US" altLang="zh-CN" dirty="0" smtClean="0"/>
+              <a:t>we</a:t>
+            </a:r>
+            <a:r>
+              <a:rPr lang="zh-CN" altLang="en-US" dirty="0" smtClean="0"/>
+              <a:t> </a:t>
+            </a:r>
+            <a:r>
+              <a:rPr lang="en-US" altLang="zh-CN" dirty="0" smtClean="0"/>
+              <a:t>want</a:t>
+            </a:r>
+            <a:r>
+              <a:rPr lang="zh-CN" altLang="en-US" dirty="0" smtClean="0"/>
+              <a:t> </a:t>
+            </a:r>
+            <a:r>
+              <a:rPr lang="en-US" altLang="zh-CN" dirty="0" smtClean="0"/>
+              <a:t>in</a:t>
+            </a:r>
+            <a:r>
+              <a:rPr lang="zh-CN" altLang="en-US" dirty="0" smtClean="0"/>
+              <a:t> </a:t>
+            </a:r>
+            <a:r>
+              <a:rPr lang="en-US" altLang="zh-CN" dirty="0" smtClean="0"/>
+              <a:t>the</a:t>
+            </a:r>
+            <a:r>
+              <a:rPr lang="zh-CN" altLang="en-US" dirty="0" smtClean="0"/>
+              <a:t> </a:t>
+            </a:r>
+            <a:r>
+              <a:rPr lang="en-US" altLang="zh-CN" dirty="0" smtClean="0"/>
+              <a:t>soup!</a:t>
+            </a:r>
+          </a:p>
+          <a:p>
+            <a:pPr lvl="2"/>
+            <a:r>
+              <a:rPr lang="en-US" altLang="zh-CN" dirty="0" smtClean="0"/>
+              <a:t>Function:</a:t>
+            </a:r>
+            <a:r>
+              <a:rPr lang="zh-CN" altLang="en-US" dirty="0" smtClean="0"/>
+              <a:t> </a:t>
+            </a:r>
+            <a:r>
+              <a:rPr lang="en-US" altLang="zh-CN" dirty="0" smtClean="0">
+                <a:latin typeface="STXinwei" charset="-122"/>
+                <a:ea typeface="STXinwei" charset="-122"/>
+                <a:cs typeface="STXinwei" charset="-122"/>
+              </a:rPr>
+              <a:t>find</a:t>
+            </a:r>
+            <a:r>
+              <a:rPr lang="zh-CN" altLang="en-US" dirty="0" smtClean="0"/>
+              <a:t> </a:t>
+            </a:r>
+            <a:r>
+              <a:rPr lang="en-US" altLang="zh-CN" dirty="0" smtClean="0"/>
+              <a:t>and</a:t>
+            </a:r>
+            <a:r>
+              <a:rPr lang="zh-CN" altLang="en-US" dirty="0" smtClean="0"/>
+              <a:t> </a:t>
+            </a:r>
+            <a:r>
+              <a:rPr lang="en-US" altLang="zh-CN" dirty="0" err="1" smtClean="0">
+                <a:latin typeface="STXinwei" charset="-122"/>
+                <a:ea typeface="STXinwei" charset="-122"/>
+                <a:cs typeface="STXinwei" charset="-122"/>
+              </a:rPr>
+              <a:t>find_all</a:t>
+            </a:r>
+            <a:endParaRPr lang="en-US" altLang="zh-CN" dirty="0" smtClean="0">
+              <a:latin typeface="STXinwei" charset="-122"/>
+              <a:ea typeface="STXinwei" charset="-122"/>
+              <a:cs typeface="STXinwei" charset="-122"/>
+            </a:endParaRPr>
+          </a:p>
+          <a:p>
+            <a:pPr lvl="2"/>
+            <a:r>
+              <a:rPr lang="en-US" altLang="zh-CN" dirty="0" smtClean="0"/>
+              <a:t>Method:</a:t>
+            </a:r>
+            <a:r>
+              <a:rPr lang="zh-CN" altLang="en-US" dirty="0" smtClean="0"/>
+              <a:t> </a:t>
+            </a:r>
+            <a:r>
+              <a:rPr lang="en-US" altLang="zh-CN" dirty="0" smtClean="0"/>
+              <a:t>Utilize</a:t>
+            </a:r>
+            <a:r>
+              <a:rPr lang="zh-CN" altLang="en-US" dirty="0" smtClean="0"/>
+              <a:t> </a:t>
+            </a:r>
+            <a:r>
+              <a:rPr lang="en-US" altLang="zh-CN" dirty="0" smtClean="0"/>
+              <a:t>regular</a:t>
+            </a:r>
+            <a:r>
+              <a:rPr lang="zh-CN" altLang="en-US" dirty="0" smtClean="0"/>
+              <a:t> </a:t>
+            </a:r>
+            <a:r>
+              <a:rPr lang="en-US" altLang="zh-CN" dirty="0" smtClean="0"/>
+              <a:t>expression</a:t>
+            </a:r>
+            <a:r>
+              <a:rPr lang="zh-CN" altLang="en-US" dirty="0" smtClean="0"/>
+              <a:t> </a:t>
+            </a:r>
+            <a:r>
+              <a:rPr lang="en-US" altLang="zh-CN" dirty="0" smtClean="0"/>
+              <a:t>with</a:t>
+            </a:r>
+            <a:r>
+              <a:rPr lang="zh-CN" altLang="en-US" dirty="0" smtClean="0"/>
+              <a:t> </a:t>
+            </a:r>
+            <a:r>
+              <a:rPr lang="en-US" altLang="zh-CN" dirty="0" smtClean="0"/>
+              <a:t>content</a:t>
+            </a:r>
+            <a:r>
+              <a:rPr lang="zh-CN" altLang="en-US" dirty="0" smtClean="0"/>
+              <a:t> </a:t>
+            </a:r>
+            <a:r>
+              <a:rPr lang="en-US" altLang="zh-CN" dirty="0" smtClean="0"/>
+              <a:t>of</a:t>
+            </a:r>
+            <a:r>
+              <a:rPr lang="zh-CN" altLang="en-US" dirty="0" smtClean="0"/>
+              <a:t> </a:t>
+            </a:r>
+            <a:r>
+              <a:rPr lang="en-US" altLang="zh-CN" dirty="0" smtClean="0"/>
+              <a:t>soup</a:t>
+            </a:r>
+            <a:endParaRPr lang="en-US" altLang="zh-CN" dirty="0"/>
+          </a:p>
+        </p:txBody>
+      </p:sp>
+    </p:spTree>
+    <p:extLst>
+      <p:ext uri="{BB962C8B-B14F-4D97-AF65-F5344CB8AC3E}">
+        <p14:creationId xmlns:p14="http://schemas.microsoft.com/office/powerpoint/2010/main" val="2029453834"/>
+      </p:ext>
+    </p:extLst>
+  </p:cSld>
+  <p:clrMapOvr>
+    <a:masterClrMapping/>
+  </p:clrMapOvr>
+</p:sld>
+</file>
+
+<file path=ppt/slides/slide4.xml><?xml version="1.0" encoding="utf-8"?>
+<p:sld xmlns:a="http://schemas.openxmlformats.org/drawingml/2006/main" xmlns:r="http://schemas.openxmlformats.org/officeDocument/2006/relationships" xmlns:p="http://schemas.openxmlformats.org/presentationml/2006/main">
+  <p:cSld>
+    <p:spTree>
+      <p:nvGrpSpPr>
+        <p:cNvPr id="1" name=""/>
+        <p:cNvGrpSpPr/>
+        <p:nvPr/>
+      </p:nvGrpSpPr>
+      <p:grpSpPr>
+        <a:xfrm>
+          <a:off x="0" y="0"/>
+          <a:ext cx="0" cy="0"/>
+          <a:chOff x="0" y="0"/>
+          <a:chExt cx="0" cy="0"/>
+        </a:xfrm>
+      </p:grpSpPr>
+      <p:sp>
+        <p:nvSpPr>
+          <p:cNvPr id="2" name="Title 1"/>
+          <p:cNvSpPr>
+            <a:spLocks noGrp="1"/>
+          </p:cNvSpPr>
+          <p:nvPr>
+            <p:ph type="title"/>
+          </p:nvPr>
+        </p:nvSpPr>
+        <p:spPr/>
+        <p:txBody>
+          <a:bodyPr/>
+          <a:lstStyle/>
+          <a:p>
+            <a:r>
               <a:rPr lang="en-US" dirty="0" smtClean="0"/>
               <a:t>Extrac</a:t>
             </a:r>
@@ -3450,7 +3930,7 @@
 </p:sld>
 </file>
 
-<file path=ppt/slides/slide4.xml><?xml version="1.0" encoding="utf-8"?>
+<file path=ppt/slides/slide5.xml><?xml version="1.0" encoding="utf-8"?>
 <p:sld xmlns:a="http://schemas.openxmlformats.org/drawingml/2006/main" xmlns:r="http://schemas.openxmlformats.org/officeDocument/2006/relationships" xmlns:p="http://schemas.openxmlformats.org/presentationml/2006/main">
   <p:cSld>
     <p:spTree>
@@ -3574,7 +4054,7 @@
 </p:sld>
 </file>
 
-<file path=ppt/slides/slide5.xml><?xml version="1.0" encoding="utf-8"?>
+<file path=ppt/slides/slide6.xml><?xml version="1.0" encoding="utf-8"?>
 <p:sld xmlns:a="http://schemas.openxmlformats.org/drawingml/2006/main" xmlns:r="http://schemas.openxmlformats.org/officeDocument/2006/relationships" xmlns:p="http://schemas.openxmlformats.org/presentationml/2006/main">
   <p:cSld>
     <p:spTree>
@@ -3691,7 +4171,7 @@
 </p:sld>
 </file>
 
-<file path=ppt/slides/slide6.xml><?xml version="1.0" encoding="utf-8"?>
+<file path=ppt/slides/slide7.xml><?xml version="1.0" encoding="utf-8"?>
 <p:sld xmlns:a="http://schemas.openxmlformats.org/drawingml/2006/main" xmlns:r="http://schemas.openxmlformats.org/officeDocument/2006/relationships" xmlns:p="http://schemas.openxmlformats.org/presentationml/2006/main">
   <p:cSld>
     <p:spTree>
@@ -3777,7 +4257,7 @@
 </p:sld>
 </file>
 
-<file path=ppt/slides/slide7.xml><?xml version="1.0" encoding="utf-8"?>
+<file path=ppt/slides/slide8.xml><?xml version="1.0" encoding="utf-8"?>
 <p:sld xmlns:a="http://schemas.openxmlformats.org/drawingml/2006/main" xmlns:r="http://schemas.openxmlformats.org/officeDocument/2006/relationships" xmlns:p="http://schemas.openxmlformats.org/presentationml/2006/main">
   <p:cSld>
     <p:spTree>
@@ -3871,7 +4351,7 @@
 </p:sld>
 </file>
 
-<file path=ppt/slides/slide8.xml><?xml version="1.0" encoding="utf-8"?>
+<file path=ppt/slides/slide9.xml><?xml version="1.0" encoding="utf-8"?>
 <p:sld xmlns:a="http://schemas.openxmlformats.org/drawingml/2006/main" xmlns:r="http://schemas.openxmlformats.org/officeDocument/2006/relationships" xmlns:p="http://schemas.openxmlformats.org/presentationml/2006/main">
   <p:cSld>
     <p:spTree>
